--- a/NodeJS/lesson_27/Presentation/NodeJS_intro.pptx
+++ b/NodeJS/lesson_27/Presentation/NodeJS_intro.pptx
@@ -5,15 +5,17 @@
     <p:sldMasterId id="2147483662" r:id="rId1"/>
   </p:sldMasterIdLst>
   <p:notesMasterIdLst>
-    <p:notesMasterId r:id="rId8"/>
+    <p:notesMasterId r:id="rId10"/>
   </p:notesMasterIdLst>
   <p:sldIdLst>
     <p:sldId id="257" r:id="rId2"/>
     <p:sldId id="259" r:id="rId3"/>
-    <p:sldId id="261" r:id="rId4"/>
-    <p:sldId id="260" r:id="rId5"/>
-    <p:sldId id="262" r:id="rId6"/>
-    <p:sldId id="263" r:id="rId7"/>
+    <p:sldId id="264" r:id="rId4"/>
+    <p:sldId id="265" r:id="rId5"/>
+    <p:sldId id="261" r:id="rId6"/>
+    <p:sldId id="260" r:id="rId7"/>
+    <p:sldId id="262" r:id="rId8"/>
+    <p:sldId id="263" r:id="rId9"/>
   </p:sldIdLst>
   <p:sldSz cx="9144000" cy="6858000" type="screen4x3"/>
   <p:notesSz cx="6858000" cy="9144000"/>
@@ -114,7 +116,7 @@
   </p:defaultTextStyle>
   <p:extLst>
     <p:ext uri="{EFAFB233-063F-42B5-8137-9DF3F51BA10A}">
-      <p15:sldGuideLst xmlns:p15="http://schemas.microsoft.com/office/powerpoint/2012/main">
+      <p15:sldGuideLst xmlns:p15="http://schemas.microsoft.com/office/powerpoint/2012/main" xmlns="">
         <p15:guide id="1" orient="horz" pos="2160">
           <p15:clr>
             <a:srgbClr val="A4A3A4"/>
@@ -214,7 +216,7 @@
             <a:fld id="{12AFB1A6-88B5-4F88-896F-7BBF250CBCC5}" type="datetimeFigureOut">
               <a:rPr lang="uk-UA" smtClean="0"/>
               <a:pPr/>
-              <a:t>20.09.2016</a:t>
+              <a:t>01.10.2016</a:t>
             </a:fld>
             <a:endParaRPr lang="uk-UA"/>
           </a:p>
@@ -630,7 +632,7 @@
             <a:fld id="{677A8DE3-833C-40CB-8CFC-F36318F907AD}" type="slidenum">
               <a:rPr lang="uk-UA" smtClean="0"/>
               <a:pPr/>
-              <a:t>5</a:t>
+              <a:t>7</a:t>
             </a:fld>
             <a:endParaRPr lang="uk-UA"/>
           </a:p>
@@ -1150,7 +1152,7 @@
     </p:spTree>
     <p:extLst>
       <p:ext uri="{BB962C8B-B14F-4D97-AF65-F5344CB8AC3E}">
-        <p14:creationId xmlns:p14="http://schemas.microsoft.com/office/powerpoint/2010/main" val="3537187278"/>
+        <p14:creationId xmlns:p14="http://schemas.microsoft.com/office/powerpoint/2010/main" xmlns="" val="3537187278"/>
       </p:ext>
     </p:extLst>
   </p:cSld>
@@ -1189,7 +1191,7 @@
           <a:blip r:embed="rId2" cstate="print">
             <a:extLst>
               <a:ext uri="{28A0092B-C50C-407E-A947-70E740481C1C}">
-                <a14:useLocalDpi xmlns:a14="http://schemas.microsoft.com/office/drawing/2010/main" val="0"/>
+                <a14:useLocalDpi xmlns:a14="http://schemas.microsoft.com/office/drawing/2010/main" xmlns="" val="0"/>
               </a:ext>
             </a:extLst>
           </a:blip>
@@ -1213,14 +1215,14 @@
           <a:effectLst/>
           <a:extLst>
             <a:ext uri="{909E8E84-426E-40DD-AFC4-6F175D3DCCD1}">
-              <a14:hiddenFill xmlns:a14="http://schemas.microsoft.com/office/drawing/2010/main">
+              <a14:hiddenFill xmlns:a14="http://schemas.microsoft.com/office/drawing/2010/main" xmlns="">
                 <a:solidFill>
                   <a:schemeClr val="accent1"/>
                 </a:solidFill>
               </a14:hiddenFill>
             </a:ext>
             <a:ext uri="{91240B29-F687-4F45-9708-019B960494DF}">
-              <a14:hiddenLine xmlns:a14="http://schemas.microsoft.com/office/drawing/2010/main" w="9525">
+              <a14:hiddenLine xmlns:a14="http://schemas.microsoft.com/office/drawing/2010/main" xmlns="" w="9525">
                 <a:solidFill>
                   <a:schemeClr val="tx1"/>
                 </a:solidFill>
@@ -1230,7 +1232,7 @@
               </a14:hiddenLine>
             </a:ext>
             <a:ext uri="{AF507438-7753-43E0-B8FC-AC1667EBCBE1}">
-              <a14:hiddenEffects xmlns:a14="http://schemas.microsoft.com/office/drawing/2010/main">
+              <a14:hiddenEffects xmlns:a14="http://schemas.microsoft.com/office/drawing/2010/main" xmlns="">
                 <a:effectLst>
                   <a:outerShdw dist="35921" dir="2700000" algn="ctr" rotWithShape="0">
                     <a:schemeClr val="bg2"/>
@@ -1371,7 +1373,7 @@
     </p:spTree>
     <p:extLst>
       <p:ext uri="{BB962C8B-B14F-4D97-AF65-F5344CB8AC3E}">
-        <p14:creationId xmlns:p14="http://schemas.microsoft.com/office/powerpoint/2010/main" val="2097366919"/>
+        <p14:creationId xmlns:p14="http://schemas.microsoft.com/office/powerpoint/2010/main" xmlns="" val="2097366919"/>
       </p:ext>
     </p:extLst>
   </p:cSld>
@@ -1886,7 +1888,7 @@
     </p:spTree>
     <p:extLst>
       <p:ext uri="{BB962C8B-B14F-4D97-AF65-F5344CB8AC3E}">
-        <p14:creationId xmlns:p14="http://schemas.microsoft.com/office/powerpoint/2010/main" val="3537187278"/>
+        <p14:creationId xmlns:p14="http://schemas.microsoft.com/office/powerpoint/2010/main" xmlns="" val="3537187278"/>
       </p:ext>
     </p:extLst>
   </p:cSld>
@@ -1925,7 +1927,7 @@
           <a:blip r:embed="rId2" cstate="print">
             <a:extLst>
               <a:ext uri="{28A0092B-C50C-407E-A947-70E740481C1C}">
-                <a14:useLocalDpi xmlns:a14="http://schemas.microsoft.com/office/drawing/2010/main" val="0"/>
+                <a14:useLocalDpi xmlns:a14="http://schemas.microsoft.com/office/drawing/2010/main" xmlns="" val="0"/>
               </a:ext>
             </a:extLst>
           </a:blip>
@@ -1949,14 +1951,14 @@
           <a:effectLst/>
           <a:extLst>
             <a:ext uri="{909E8E84-426E-40DD-AFC4-6F175D3DCCD1}">
-              <a14:hiddenFill xmlns:a14="http://schemas.microsoft.com/office/drawing/2010/main">
+              <a14:hiddenFill xmlns:a14="http://schemas.microsoft.com/office/drawing/2010/main" xmlns="">
                 <a:solidFill>
                   <a:schemeClr val="accent1"/>
                 </a:solidFill>
               </a14:hiddenFill>
             </a:ext>
             <a:ext uri="{91240B29-F687-4F45-9708-019B960494DF}">
-              <a14:hiddenLine xmlns:a14="http://schemas.microsoft.com/office/drawing/2010/main" w="9525">
+              <a14:hiddenLine xmlns:a14="http://schemas.microsoft.com/office/drawing/2010/main" xmlns="" w="9525">
                 <a:solidFill>
                   <a:schemeClr val="tx1"/>
                 </a:solidFill>
@@ -1966,7 +1968,7 @@
               </a14:hiddenLine>
             </a:ext>
             <a:ext uri="{AF507438-7753-43E0-B8FC-AC1667EBCBE1}">
-              <a14:hiddenEffects xmlns:a14="http://schemas.microsoft.com/office/drawing/2010/main">
+              <a14:hiddenEffects xmlns:a14="http://schemas.microsoft.com/office/drawing/2010/main" xmlns="">
                 <a:effectLst>
                   <a:outerShdw dist="35921" dir="2700000" algn="ctr" rotWithShape="0">
                     <a:schemeClr val="bg2"/>
@@ -2106,7 +2108,7 @@
     </p:spTree>
     <p:extLst>
       <p:ext uri="{BB962C8B-B14F-4D97-AF65-F5344CB8AC3E}">
-        <p14:creationId xmlns:p14="http://schemas.microsoft.com/office/powerpoint/2010/main" val="2097366919"/>
+        <p14:creationId xmlns:p14="http://schemas.microsoft.com/office/powerpoint/2010/main" xmlns="" val="2097366919"/>
       </p:ext>
     </p:extLst>
   </p:cSld>
@@ -2174,7 +2176,7 @@
     </p:spTree>
     <p:extLst>
       <p:ext uri="{BB962C8B-B14F-4D97-AF65-F5344CB8AC3E}">
-        <p14:creationId xmlns:p14="http://schemas.microsoft.com/office/powerpoint/2010/main" val="779007194"/>
+        <p14:creationId xmlns:p14="http://schemas.microsoft.com/office/powerpoint/2010/main" xmlns="" val="779007194"/>
       </p:ext>
     </p:extLst>
   </p:cSld>
@@ -2814,7 +2816,7 @@
     </p:spTree>
     <p:extLst>
       <p:ext uri="{BB962C8B-B14F-4D97-AF65-F5344CB8AC3E}">
-        <p14:creationId xmlns:p14="http://schemas.microsoft.com/office/powerpoint/2010/main" val="3436223543"/>
+        <p14:creationId xmlns:p14="http://schemas.microsoft.com/office/powerpoint/2010/main" xmlns="" val="3436223543"/>
       </p:ext>
     </p:extLst>
   </p:cSld>
@@ -3112,7 +3114,7 @@
     </p:spTree>
     <p:extLst>
       <p:ext uri="{BB962C8B-B14F-4D97-AF65-F5344CB8AC3E}">
-        <p14:creationId xmlns:p14="http://schemas.microsoft.com/office/powerpoint/2010/main" val="9290874"/>
+        <p14:creationId xmlns:p14="http://schemas.microsoft.com/office/powerpoint/2010/main" xmlns="" val="9290874"/>
       </p:ext>
     </p:extLst>
   </p:cSld>
@@ -3155,13 +3157,13 @@
           <a:lstStyle/>
           <a:p>
             <a:r>
-              <a:rPr lang="ru-RU" dirty="0">
-                <a:latin typeface="Calibri" pitchFamily="34" charset="0"/>
-              </a:rPr>
-              <a:t>Преимущества </a:t>
-            </a:r>
-            <a:r>
-              <a:rPr lang="en-US" dirty="0" err="1">
+              <a:rPr lang="ru-RU" dirty="0" smtClean="0">
+                <a:latin typeface="Calibri" pitchFamily="34" charset="0"/>
+              </a:rPr>
+              <a:t>История </a:t>
+            </a:r>
+            <a:r>
+              <a:rPr lang="en-US" dirty="0" err="1" smtClean="0">
                 <a:latin typeface="Calibri" pitchFamily="34" charset="0"/>
               </a:rPr>
               <a:t>NodeJS</a:t>
@@ -3180,8 +3182,8 @@
         </p:nvSpPr>
         <p:spPr>
           <a:xfrm>
-            <a:off x="4499992" y="5157192"/>
-            <a:ext cx="4032448" cy="1200329"/>
+            <a:off x="1043608" y="1772816"/>
+            <a:ext cx="6984776" cy="3693319"/>
           </a:xfrm>
           <a:prstGeom prst="rect">
             <a:avLst/>
@@ -3195,94 +3197,189 @@
           <a:lstStyle/>
           <a:p>
             <a:r>
-              <a:rPr lang="ru-RU" dirty="0">
-                <a:latin typeface="Calibri" pitchFamily="34" charset="0"/>
-              </a:rPr>
-              <a:t>в </a:t>
-            </a:r>
-            <a:r>
-              <a:rPr lang="ru-RU" b="1" dirty="0" err="1">
+              <a:rPr lang="ru-RU" dirty="0" err="1" smtClean="0">
                 <a:latin typeface="Calibri" pitchFamily="34" charset="0"/>
               </a:rPr>
               <a:t>Node.js</a:t>
             </a:r>
             <a:r>
-              <a:rPr lang="ru-RU" dirty="0">
-                <a:latin typeface="Calibri" pitchFamily="34" charset="0"/>
-              </a:rPr>
-              <a:t> функции базовых модулей </a:t>
-            </a:r>
-            <a:r>
-              <a:rPr lang="ru-RU" b="1" dirty="0">
-                <a:latin typeface="Calibri" pitchFamily="34" charset="0"/>
-              </a:rPr>
-              <a:t>асинхронны</a:t>
-            </a:r>
-            <a:r>
-              <a:rPr lang="ru-RU" dirty="0">
-                <a:latin typeface="Calibri" pitchFamily="34" charset="0"/>
-              </a:rPr>
-              <a:t>. Это означает, что функции </a:t>
-            </a:r>
-            <a:r>
-              <a:rPr lang="ru-RU" dirty="0" err="1">
-                <a:latin typeface="Calibri" pitchFamily="34" charset="0"/>
-              </a:rPr>
-              <a:t>ноды</a:t>
-            </a:r>
-            <a:r>
-              <a:rPr lang="ru-RU" dirty="0">
-                <a:latin typeface="Calibri" pitchFamily="34" charset="0"/>
-              </a:rPr>
-              <a:t> не блокируют поток, а исполняются </a:t>
-            </a:r>
-            <a:r>
-              <a:rPr lang="ru-RU" b="1" dirty="0">
-                <a:latin typeface="Calibri" pitchFamily="34" charset="0"/>
-              </a:rPr>
-              <a:t>в фоновом режиме</a:t>
-            </a:r>
-            <a:r>
-              <a:rPr lang="ru-RU" dirty="0">
+              <a:rPr lang="ru-RU" dirty="0" smtClean="0">
+                <a:latin typeface="Calibri" pitchFamily="34" charset="0"/>
+              </a:rPr>
+              <a:t> разработал </a:t>
+            </a:r>
+            <a:r>
+              <a:rPr lang="ru-RU" b="1" dirty="0" err="1" smtClean="0">
+                <a:latin typeface="Calibri" pitchFamily="34" charset="0"/>
+              </a:rPr>
+              <a:t>Райан</a:t>
+            </a:r>
+            <a:r>
+              <a:rPr lang="ru-RU" b="1" dirty="0" smtClean="0">
+                <a:latin typeface="Calibri" pitchFamily="34" charset="0"/>
+              </a:rPr>
+              <a:t> Дал </a:t>
+            </a:r>
+            <a:r>
+              <a:rPr lang="ru-RU" dirty="0" smtClean="0">
+                <a:latin typeface="Calibri" pitchFamily="34" charset="0"/>
+              </a:rPr>
+              <a:t>(</a:t>
+            </a:r>
+            <a:r>
+              <a:rPr lang="ru-RU" i="1" dirty="0" err="1" smtClean="0">
+                <a:latin typeface="Calibri" pitchFamily="34" charset="0"/>
+              </a:rPr>
+              <a:t>Ryan</a:t>
+            </a:r>
+            <a:r>
+              <a:rPr lang="ru-RU" i="1" dirty="0" smtClean="0">
+                <a:latin typeface="Calibri" pitchFamily="34" charset="0"/>
+              </a:rPr>
+              <a:t> </a:t>
+            </a:r>
+            <a:r>
+              <a:rPr lang="ru-RU" i="1" dirty="0" err="1" smtClean="0">
+                <a:latin typeface="Calibri" pitchFamily="34" charset="0"/>
+              </a:rPr>
+              <a:t>Dahl</a:t>
+            </a:r>
+            <a:r>
+              <a:rPr lang="ru-RU" dirty="0" smtClean="0">
+                <a:latin typeface="Calibri" pitchFamily="34" charset="0"/>
+              </a:rPr>
+              <a:t>) в </a:t>
+            </a:r>
+            <a:r>
+              <a:rPr lang="ru-RU" b="1" dirty="0" smtClean="0">
+                <a:latin typeface="Calibri" pitchFamily="34" charset="0"/>
+              </a:rPr>
+              <a:t>2009 </a:t>
+            </a:r>
+            <a:r>
+              <a:rPr lang="ru-RU" dirty="0" smtClean="0">
+                <a:latin typeface="Calibri" pitchFamily="34" charset="0"/>
+              </a:rPr>
+              <a:t>году после двух лет экспериментирования над </a:t>
+            </a:r>
+            <a:r>
+              <a:rPr lang="ru-RU" dirty="0" smtClean="0">
+                <a:latin typeface="Calibri" pitchFamily="34" charset="0"/>
+              </a:rPr>
+              <a:t>созданием </a:t>
+            </a:r>
+            <a:r>
+              <a:rPr lang="ru-RU" dirty="0" smtClean="0">
+                <a:latin typeface="Calibri" pitchFamily="34" charset="0"/>
+              </a:rPr>
+              <a:t>серверных </a:t>
+            </a:r>
+            <a:r>
+              <a:rPr lang="ru-RU" dirty="0" err="1" smtClean="0">
+                <a:latin typeface="Calibri" pitchFamily="34" charset="0"/>
+              </a:rPr>
+              <a:t>веб-компонентов</a:t>
+            </a:r>
+            <a:r>
+              <a:rPr lang="ru-RU" dirty="0" smtClean="0">
+                <a:latin typeface="Calibri" pitchFamily="34" charset="0"/>
+              </a:rPr>
+              <a:t>. В ходе своих исследований он пришёл к выводу, что вместо традиционной модели параллелизма на основе потоков следует обратиться к событийно-ориентированным системам. </a:t>
+            </a:r>
+            <a:endParaRPr lang="ru-RU" dirty="0" smtClean="0">
+              <a:latin typeface="Calibri" pitchFamily="34" charset="0"/>
+            </a:endParaRPr>
+          </a:p>
+          <a:p>
+            <a:endParaRPr lang="ru-RU" dirty="0" smtClean="0">
+              <a:latin typeface="Calibri" pitchFamily="34" charset="0"/>
+            </a:endParaRPr>
+          </a:p>
+          <a:p>
+            <a:r>
+              <a:rPr lang="ru-RU" dirty="0" smtClean="0">
+                <a:latin typeface="Calibri" pitchFamily="34" charset="0"/>
+              </a:rPr>
+              <a:t>Эта </a:t>
+            </a:r>
+            <a:r>
+              <a:rPr lang="ru-RU" dirty="0" smtClean="0">
+                <a:latin typeface="Calibri" pitchFamily="34" charset="0"/>
+              </a:rPr>
+              <a:t>модель была выбрана из-за простоты, низких накладных расходов (по сравнению с идеологией «один поток на каждое соединение») и быстродействия. Целью </a:t>
+            </a:r>
+            <a:r>
+              <a:rPr lang="ru-RU" dirty="0" err="1" smtClean="0">
+                <a:latin typeface="Calibri" pitchFamily="34" charset="0"/>
+              </a:rPr>
+              <a:t>Node</a:t>
+            </a:r>
+            <a:r>
+              <a:rPr lang="ru-RU" dirty="0" smtClean="0">
+                <a:latin typeface="Calibri" pitchFamily="34" charset="0"/>
+              </a:rPr>
+              <a:t> является предложить «простой способ построения масштабируемых сетевых серверов</a:t>
+            </a:r>
+            <a:r>
+              <a:rPr lang="ru-RU" dirty="0" smtClean="0">
+                <a:latin typeface="Calibri" pitchFamily="34" charset="0"/>
+              </a:rPr>
+              <a:t>». </a:t>
+            </a:r>
+          </a:p>
+          <a:p>
+            <a:endParaRPr lang="ru-RU" dirty="0" smtClean="0">
+              <a:latin typeface="Calibri" pitchFamily="34" charset="0"/>
+            </a:endParaRPr>
+          </a:p>
+          <a:p>
+            <a:r>
+              <a:rPr lang="ru-RU" dirty="0" smtClean="0">
+                <a:latin typeface="Calibri" pitchFamily="34" charset="0"/>
+              </a:rPr>
+              <a:t>Разработка </a:t>
+            </a:r>
+            <a:r>
+              <a:rPr lang="ru-RU" dirty="0" err="1" smtClean="0">
+                <a:latin typeface="Calibri" pitchFamily="34" charset="0"/>
+              </a:rPr>
+              <a:t>Node.js</a:t>
+            </a:r>
+            <a:r>
+              <a:rPr lang="ru-RU" dirty="0" smtClean="0">
+                <a:latin typeface="Calibri" pitchFamily="34" charset="0"/>
+              </a:rPr>
+              <a:t> спонсируется компанией </a:t>
+            </a:r>
+            <a:r>
+              <a:rPr lang="ru-RU" dirty="0" err="1" smtClean="0">
+                <a:latin typeface="Calibri" pitchFamily="34" charset="0"/>
+              </a:rPr>
+              <a:t>Joyent</a:t>
+            </a:r>
+            <a:r>
+              <a:rPr lang="ru-RU" dirty="0" smtClean="0">
+                <a:latin typeface="Calibri" pitchFamily="34" charset="0"/>
+              </a:rPr>
+              <a:t> </a:t>
+            </a:r>
+            <a:r>
+              <a:rPr lang="ru-RU" dirty="0" smtClean="0">
                 <a:latin typeface="Calibri" pitchFamily="34" charset="0"/>
               </a:rPr>
               <a:t>.</a:t>
             </a:r>
-            <a:r>
-              <a:rPr lang="en-US" dirty="0">
-                <a:latin typeface="Calibri" pitchFamily="34" charset="0"/>
-              </a:rPr>
-              <a:t> </a:t>
-            </a:r>
-          </a:p>
-        </p:txBody>
-      </p:sp>
-      <p:pic>
-        <p:nvPicPr>
-          <p:cNvPr id="6" name="Picture 2" descr="http://sebastianmetzger.com/wp-content/uploads/2015/02/syncvsasyn.png"/>
-          <p:cNvPicPr>
-            <a:picLocks noChangeAspect="1" noChangeArrowheads="1"/>
-          </p:cNvPicPr>
-          <p:nvPr/>
-        </p:nvPicPr>
-        <p:blipFill>
-          <a:blip r:embed="rId2" cstate="print"/>
-          <a:srcRect/>
-          <a:stretch>
-            <a:fillRect/>
-          </a:stretch>
-        </p:blipFill>
-        <p:spPr bwMode="auto">
-          <a:xfrm>
-            <a:off x="827584" y="1268760"/>
-            <a:ext cx="6285372" cy="4812856"/>
-          </a:xfrm>
-          <a:prstGeom prst="rect">
-            <a:avLst/>
-          </a:prstGeom>
-          <a:noFill/>
-        </p:spPr>
-      </p:pic>
+            <a:endParaRPr lang="ru-RU" dirty="0" smtClean="0">
+              <a:latin typeface="Calibri" pitchFamily="34" charset="0"/>
+            </a:endParaRPr>
+          </a:p>
+          <a:p>
+            <a:endParaRPr lang="uk-UA" dirty="0">
+              <a:latin typeface="Calibri" pitchFamily="34" charset="0"/>
+            </a:endParaRPr>
+          </a:p>
+        </p:txBody>
+      </p:sp>
     </p:spTree>
   </p:cSld>
   <p:clrMapOvr>
@@ -3324,16 +3421,10 @@
           <a:lstStyle/>
           <a:p>
             <a:r>
-              <a:rPr lang="ru-RU" dirty="0">
-                <a:latin typeface="Calibri" pitchFamily="34" charset="0"/>
-              </a:rPr>
-              <a:t>Событийный цикл </a:t>
-            </a:r>
-            <a:r>
-              <a:rPr lang="en-US" dirty="0" err="1">
-                <a:latin typeface="Calibri" pitchFamily="34" charset="0"/>
-              </a:rPr>
-              <a:t>NodeJS</a:t>
+              <a:rPr lang="en-US" dirty="0" smtClean="0">
+                <a:latin typeface="Calibri" pitchFamily="34" charset="0"/>
+              </a:rPr>
+              <a:t>V8</a:t>
             </a:r>
             <a:endParaRPr lang="uk-UA" dirty="0">
               <a:latin typeface="Calibri" pitchFamily="34" charset="0"/>
@@ -3343,78 +3434,217 @@
       </p:sp>
       <p:sp>
         <p:nvSpPr>
-          <p:cNvPr id="3" name="Текст 2"/>
-          <p:cNvSpPr>
-            <a:spLocks noGrp="1"/>
-          </p:cNvSpPr>
-          <p:nvPr>
-            <p:ph type="body" sz="quarter" idx="10"/>
-          </p:nvPr>
-        </p:nvSpPr>
-        <p:spPr/>
-        <p:txBody>
-          <a:bodyPr/>
-          <a:lstStyle/>
-          <a:p>
-            <a:endParaRPr lang="uk-UA" dirty="0"/>
-          </a:p>
-        </p:txBody>
-      </p:sp>
-      <p:pic>
-        <p:nvPicPr>
-          <p:cNvPr id="4098" name="Picture 2" descr="http://johanndutoit.net/presentations/2013/05/node-meetup-intro-29-may-2013/images/node_event_loop.png"/>
-          <p:cNvPicPr>
-            <a:picLocks noChangeAspect="1" noChangeArrowheads="1"/>
-          </p:cNvPicPr>
+          <p:cNvPr id="5" name="TextBox 4"/>
+          <p:cNvSpPr txBox="1"/>
           <p:nvPr/>
-        </p:nvPicPr>
-        <p:blipFill>
-          <a:blip r:embed="rId2" cstate="print"/>
-          <a:srcRect/>
-          <a:stretch>
-            <a:fillRect/>
-          </a:stretch>
-        </p:blipFill>
-        <p:spPr bwMode="auto">
+        </p:nvSpPr>
+        <p:spPr>
           <a:xfrm>
-            <a:off x="467544" y="1988840"/>
-            <a:ext cx="8108498" cy="3938044"/>
+            <a:off x="1043608" y="1268760"/>
+            <a:ext cx="6480720" cy="4801314"/>
           </a:xfrm>
           <a:prstGeom prst="rect">
             <a:avLst/>
           </a:prstGeom>
           <a:noFill/>
         </p:spPr>
-      </p:pic>
-      <p:sp>
-        <p:nvSpPr>
-          <p:cNvPr id="5" name="TextBox 4"/>
-          <p:cNvSpPr txBox="1"/>
-          <p:nvPr/>
-        </p:nvSpPr>
-        <p:spPr>
-          <a:xfrm>
-            <a:off x="539552" y="1196752"/>
-            <a:ext cx="7848872" cy="646331"/>
-          </a:xfrm>
-          <a:prstGeom prst="rect">
-            <a:avLst/>
-          </a:prstGeom>
-          <a:noFill/>
-        </p:spPr>
         <p:txBody>
           <a:bodyPr wrap="square" rtlCol="0">
             <a:spAutoFit/>
           </a:bodyPr>
           <a:lstStyle/>
           <a:p>
-            <a:r>
-              <a:rPr lang="ru-RU" dirty="0">
-                <a:latin typeface="Calibri" pitchFamily="34" charset="0"/>
-              </a:rPr>
-              <a:t>Событийный цикл — это сущность, которая перехватывает и обрабатывает внешние события и конвертирует их в функции обратного вызова.</a:t>
-            </a:r>
-            <a:endParaRPr lang="uk-UA" dirty="0">
+            <a:pPr algn="just"/>
+            <a:r>
+              <a:rPr lang="ru-RU" b="1" dirty="0" smtClean="0">
+                <a:latin typeface="Calibri" pitchFamily="34" charset="0"/>
+              </a:rPr>
+              <a:t>V8 </a:t>
+            </a:r>
+            <a:r>
+              <a:rPr lang="ru-RU" dirty="0" smtClean="0">
+                <a:latin typeface="Calibri" pitchFamily="34" charset="0"/>
+              </a:rPr>
+              <a:t>- движок </a:t>
+            </a:r>
+            <a:r>
+              <a:rPr lang="ru-RU" dirty="0" err="1" smtClean="0">
+                <a:latin typeface="Calibri" pitchFamily="34" charset="0"/>
+              </a:rPr>
+              <a:t>JavaScript</a:t>
+            </a:r>
+            <a:r>
+              <a:rPr lang="ru-RU" dirty="0" smtClean="0">
+                <a:latin typeface="Calibri" pitchFamily="34" charset="0"/>
+              </a:rPr>
+              <a:t> с открытым исходным кодом, разрабатываемый датским отделением компании </a:t>
+            </a:r>
+            <a:r>
+              <a:rPr lang="ru-RU" dirty="0" err="1" smtClean="0">
+                <a:latin typeface="Calibri" pitchFamily="34" charset="0"/>
+              </a:rPr>
+              <a:t>Google</a:t>
+            </a:r>
+            <a:r>
+              <a:rPr lang="ru-RU" dirty="0" smtClean="0">
+                <a:latin typeface="Calibri" pitchFamily="34" charset="0"/>
+              </a:rPr>
+              <a:t>. Он написан на C++ и используется в </a:t>
+            </a:r>
+            <a:r>
+              <a:rPr lang="ru-RU" dirty="0" err="1" smtClean="0">
+                <a:latin typeface="Calibri" pitchFamily="34" charset="0"/>
+              </a:rPr>
+              <a:t>Google</a:t>
+            </a:r>
+            <a:r>
+              <a:rPr lang="ru-RU" dirty="0" smtClean="0">
+                <a:latin typeface="Calibri" pitchFamily="34" charset="0"/>
+              </a:rPr>
+              <a:t> </a:t>
+            </a:r>
+            <a:r>
+              <a:rPr lang="ru-RU" dirty="0" err="1" smtClean="0">
+                <a:latin typeface="Calibri" pitchFamily="34" charset="0"/>
+              </a:rPr>
+              <a:t>Chrome</a:t>
+            </a:r>
+            <a:r>
+              <a:rPr lang="ru-RU" dirty="0" smtClean="0">
+                <a:latin typeface="Calibri" pitchFamily="34" charset="0"/>
+              </a:rPr>
+              <a:t>. Движок может работать автономно или быть установлен в любое C++ приложение. </a:t>
+            </a:r>
+            <a:endParaRPr lang="ru-RU" dirty="0" smtClean="0">
+              <a:latin typeface="Calibri" pitchFamily="34" charset="0"/>
+            </a:endParaRPr>
+          </a:p>
+          <a:p>
+            <a:pPr algn="just"/>
+            <a:endParaRPr lang="ru-RU" dirty="0" smtClean="0">
+              <a:latin typeface="Calibri" pitchFamily="34" charset="0"/>
+            </a:endParaRPr>
+          </a:p>
+          <a:p>
+            <a:pPr algn="just"/>
+            <a:r>
+              <a:rPr lang="ru-RU" dirty="0" smtClean="0">
+                <a:latin typeface="Calibri" pitchFamily="34" charset="0"/>
+              </a:rPr>
+              <a:t>Несмотря </a:t>
+            </a:r>
+            <a:r>
+              <a:rPr lang="ru-RU" dirty="0" smtClean="0">
+                <a:latin typeface="Calibri" pitchFamily="34" charset="0"/>
+              </a:rPr>
+              <a:t>на динамическую природу </a:t>
+            </a:r>
+            <a:r>
+              <a:rPr lang="ru-RU" dirty="0" err="1" smtClean="0">
+                <a:latin typeface="Calibri" pitchFamily="34" charset="0"/>
+              </a:rPr>
+              <a:t>JavaScript</a:t>
+            </a:r>
+            <a:r>
+              <a:rPr lang="ru-RU" dirty="0" smtClean="0">
+                <a:latin typeface="Calibri" pitchFamily="34" charset="0"/>
+              </a:rPr>
+              <a:t>, разработчикам удалось применить методы, характерные для реализации классических объектно-ориентированных языков, такие как компиляция кода «на лету», внутреннее кэширование, точный процесс сборки мусора, </a:t>
+            </a:r>
+            <a:r>
+              <a:rPr lang="ru-RU" dirty="0" err="1" smtClean="0">
+                <a:latin typeface="Calibri" pitchFamily="34" charset="0"/>
+              </a:rPr>
+              <a:t>снэпшоттинг</a:t>
+            </a:r>
+            <a:r>
+              <a:rPr lang="ru-RU" dirty="0" smtClean="0">
+                <a:latin typeface="Calibri" pitchFamily="34" charset="0"/>
+              </a:rPr>
+              <a:t> при создании </a:t>
+            </a:r>
+            <a:r>
+              <a:rPr lang="ru-RU" dirty="0" smtClean="0">
+                <a:latin typeface="Calibri" pitchFamily="34" charset="0"/>
+              </a:rPr>
+              <a:t>контекстов.</a:t>
+            </a:r>
+          </a:p>
+          <a:p>
+            <a:pPr algn="just"/>
+            <a:endParaRPr lang="ru-RU" dirty="0" smtClean="0">
+              <a:latin typeface="Calibri" pitchFamily="34" charset="0"/>
+            </a:endParaRPr>
+          </a:p>
+          <a:p>
+            <a:pPr algn="just"/>
+            <a:r>
+              <a:rPr lang="ru-RU" dirty="0" smtClean="0">
+                <a:latin typeface="Calibri" pitchFamily="34" charset="0"/>
+              </a:rPr>
+              <a:t>Движок V8 отличается от других движков (</a:t>
+            </a:r>
+            <a:r>
+              <a:rPr lang="ru-RU" dirty="0" err="1" smtClean="0">
+                <a:latin typeface="Calibri" pitchFamily="34" charset="0"/>
+              </a:rPr>
+              <a:t>JScript</a:t>
+            </a:r>
+            <a:r>
+              <a:rPr lang="ru-RU" dirty="0" smtClean="0">
+                <a:latin typeface="Calibri" pitchFamily="34" charset="0"/>
+              </a:rPr>
+              <a:t>, </a:t>
+            </a:r>
+            <a:r>
+              <a:rPr lang="ru-RU" dirty="0" err="1" smtClean="0">
+                <a:latin typeface="Calibri" pitchFamily="34" charset="0"/>
+              </a:rPr>
+              <a:t>SpiderMonkey</a:t>
+            </a:r>
+            <a:r>
+              <a:rPr lang="ru-RU" dirty="0" smtClean="0">
+                <a:latin typeface="Calibri" pitchFamily="34" charset="0"/>
+              </a:rPr>
+              <a:t>, </a:t>
+            </a:r>
+            <a:r>
+              <a:rPr lang="ru-RU" dirty="0" err="1" smtClean="0">
+                <a:latin typeface="Calibri" pitchFamily="34" charset="0"/>
+              </a:rPr>
+              <a:t>JavaScriptCore</a:t>
+            </a:r>
+            <a:r>
+              <a:rPr lang="ru-RU" dirty="0" smtClean="0">
+                <a:latin typeface="Calibri" pitchFamily="34" charset="0"/>
+              </a:rPr>
+              <a:t>, </a:t>
+            </a:r>
+            <a:r>
+              <a:rPr lang="ru-RU" dirty="0" err="1" smtClean="0">
+                <a:latin typeface="Calibri" pitchFamily="34" charset="0"/>
+              </a:rPr>
+              <a:t>Nitro</a:t>
+            </a:r>
+            <a:r>
+              <a:rPr lang="ru-RU" dirty="0" smtClean="0">
+                <a:latin typeface="Calibri" pitchFamily="34" charset="0"/>
+              </a:rPr>
+              <a:t>) высокой </a:t>
+            </a:r>
+            <a:r>
+              <a:rPr lang="ru-RU" dirty="0" smtClean="0">
+                <a:latin typeface="Calibri" pitchFamily="34" charset="0"/>
+              </a:rPr>
+              <a:t>производительностью. </a:t>
+            </a:r>
+            <a:endParaRPr lang="ru-RU" dirty="0" smtClean="0">
+              <a:latin typeface="Calibri" pitchFamily="34" charset="0"/>
+            </a:endParaRPr>
+          </a:p>
+          <a:p>
+            <a:pPr algn="just"/>
+            <a:endParaRPr lang="ru-RU" dirty="0" smtClean="0">
               <a:latin typeface="Calibri" pitchFamily="34" charset="0"/>
             </a:endParaRPr>
           </a:p>
@@ -3464,6 +3694,312 @@
               <a:rPr lang="ru-RU" dirty="0">
                 <a:latin typeface="Calibri" pitchFamily="34" charset="0"/>
               </a:rPr>
+              <a:t>Преимущества </a:t>
+            </a:r>
+            <a:r>
+              <a:rPr lang="en-US" dirty="0" err="1">
+                <a:latin typeface="Calibri" pitchFamily="34" charset="0"/>
+              </a:rPr>
+              <a:t>NodeJS</a:t>
+            </a:r>
+            <a:endParaRPr lang="uk-UA" dirty="0">
+              <a:latin typeface="Calibri" pitchFamily="34" charset="0"/>
+            </a:endParaRPr>
+          </a:p>
+        </p:txBody>
+      </p:sp>
+      <p:sp>
+        <p:nvSpPr>
+          <p:cNvPr id="4" name="TextBox 3"/>
+          <p:cNvSpPr txBox="1"/>
+          <p:nvPr/>
+        </p:nvSpPr>
+        <p:spPr>
+          <a:xfrm>
+            <a:off x="4499992" y="5157192"/>
+            <a:ext cx="4032448" cy="1200329"/>
+          </a:xfrm>
+          <a:prstGeom prst="rect">
+            <a:avLst/>
+          </a:prstGeom>
+          <a:noFill/>
+        </p:spPr>
+        <p:txBody>
+          <a:bodyPr wrap="square" rtlCol="0">
+            <a:spAutoFit/>
+          </a:bodyPr>
+          <a:lstStyle/>
+          <a:p>
+            <a:r>
+              <a:rPr lang="ru-RU" dirty="0">
+                <a:latin typeface="Calibri" pitchFamily="34" charset="0"/>
+              </a:rPr>
+              <a:t>в </a:t>
+            </a:r>
+            <a:r>
+              <a:rPr lang="ru-RU" b="1" dirty="0" err="1">
+                <a:latin typeface="Calibri" pitchFamily="34" charset="0"/>
+              </a:rPr>
+              <a:t>Node.js</a:t>
+            </a:r>
+            <a:r>
+              <a:rPr lang="ru-RU" dirty="0">
+                <a:latin typeface="Calibri" pitchFamily="34" charset="0"/>
+              </a:rPr>
+              <a:t> функции базовых модулей </a:t>
+            </a:r>
+            <a:r>
+              <a:rPr lang="ru-RU" b="1" dirty="0">
+                <a:latin typeface="Calibri" pitchFamily="34" charset="0"/>
+              </a:rPr>
+              <a:t>асинхронны</a:t>
+            </a:r>
+            <a:r>
+              <a:rPr lang="ru-RU" dirty="0">
+                <a:latin typeface="Calibri" pitchFamily="34" charset="0"/>
+              </a:rPr>
+              <a:t>. Это означает, что функции </a:t>
+            </a:r>
+            <a:r>
+              <a:rPr lang="ru-RU" dirty="0" err="1">
+                <a:latin typeface="Calibri" pitchFamily="34" charset="0"/>
+              </a:rPr>
+              <a:t>ноды</a:t>
+            </a:r>
+            <a:r>
+              <a:rPr lang="ru-RU" dirty="0">
+                <a:latin typeface="Calibri" pitchFamily="34" charset="0"/>
+              </a:rPr>
+              <a:t> не блокируют поток, а исполняются </a:t>
+            </a:r>
+            <a:r>
+              <a:rPr lang="ru-RU" b="1" dirty="0">
+                <a:latin typeface="Calibri" pitchFamily="34" charset="0"/>
+              </a:rPr>
+              <a:t>в фоновом режиме</a:t>
+            </a:r>
+            <a:r>
+              <a:rPr lang="ru-RU" dirty="0">
+                <a:latin typeface="Calibri" pitchFamily="34" charset="0"/>
+              </a:rPr>
+              <a:t>.</a:t>
+            </a:r>
+            <a:r>
+              <a:rPr lang="en-US" dirty="0">
+                <a:latin typeface="Calibri" pitchFamily="34" charset="0"/>
+              </a:rPr>
+              <a:t> </a:t>
+            </a:r>
+          </a:p>
+        </p:txBody>
+      </p:sp>
+      <p:pic>
+        <p:nvPicPr>
+          <p:cNvPr id="6" name="Picture 2" descr="http://sebastianmetzger.com/wp-content/uploads/2015/02/syncvsasyn.png"/>
+          <p:cNvPicPr>
+            <a:picLocks noChangeAspect="1" noChangeArrowheads="1"/>
+          </p:cNvPicPr>
+          <p:nvPr/>
+        </p:nvPicPr>
+        <p:blipFill>
+          <a:blip r:embed="rId2" cstate="print"/>
+          <a:srcRect/>
+          <a:stretch>
+            <a:fillRect/>
+          </a:stretch>
+        </p:blipFill>
+        <p:spPr bwMode="auto">
+          <a:xfrm>
+            <a:off x="827584" y="1268760"/>
+            <a:ext cx="6285372" cy="4812856"/>
+          </a:xfrm>
+          <a:prstGeom prst="rect">
+            <a:avLst/>
+          </a:prstGeom>
+          <a:noFill/>
+        </p:spPr>
+      </p:pic>
+    </p:spTree>
+  </p:cSld>
+  <p:clrMapOvr>
+    <a:masterClrMapping/>
+  </p:clrMapOvr>
+</p:sld>
+</file>
+
+<file path=ppt/slides/slide6.xml><?xml version="1.0" encoding="utf-8"?>
+<p:sld xmlns:a="http://schemas.openxmlformats.org/drawingml/2006/main" xmlns:r="http://schemas.openxmlformats.org/officeDocument/2006/relationships" xmlns:p="http://schemas.openxmlformats.org/presentationml/2006/main">
+  <p:cSld>
+    <p:spTree>
+      <p:nvGrpSpPr>
+        <p:cNvPr id="1" name=""/>
+        <p:cNvGrpSpPr/>
+        <p:nvPr/>
+      </p:nvGrpSpPr>
+      <p:grpSpPr>
+        <a:xfrm>
+          <a:off x="0" y="0"/>
+          <a:ext cx="0" cy="0"/>
+          <a:chOff x="0" y="0"/>
+          <a:chExt cx="0" cy="0"/>
+        </a:xfrm>
+      </p:grpSpPr>
+      <p:sp>
+        <p:nvSpPr>
+          <p:cNvPr id="2" name="Заголовок 1"/>
+          <p:cNvSpPr>
+            <a:spLocks noGrp="1"/>
+          </p:cNvSpPr>
+          <p:nvPr>
+            <p:ph type="title"/>
+          </p:nvPr>
+        </p:nvSpPr>
+        <p:spPr/>
+        <p:txBody>
+          <a:bodyPr/>
+          <a:lstStyle/>
+          <a:p>
+            <a:r>
+              <a:rPr lang="ru-RU" dirty="0">
+                <a:latin typeface="Calibri" pitchFamily="34" charset="0"/>
+              </a:rPr>
+              <a:t>Событийный цикл </a:t>
+            </a:r>
+            <a:r>
+              <a:rPr lang="en-US" dirty="0" err="1">
+                <a:latin typeface="Calibri" pitchFamily="34" charset="0"/>
+              </a:rPr>
+              <a:t>NodeJS</a:t>
+            </a:r>
+            <a:endParaRPr lang="uk-UA" dirty="0">
+              <a:latin typeface="Calibri" pitchFamily="34" charset="0"/>
+            </a:endParaRPr>
+          </a:p>
+        </p:txBody>
+      </p:sp>
+      <p:sp>
+        <p:nvSpPr>
+          <p:cNvPr id="3" name="Текст 2"/>
+          <p:cNvSpPr>
+            <a:spLocks noGrp="1"/>
+          </p:cNvSpPr>
+          <p:nvPr>
+            <p:ph type="body" sz="quarter" idx="10"/>
+          </p:nvPr>
+        </p:nvSpPr>
+        <p:spPr/>
+        <p:txBody>
+          <a:bodyPr/>
+          <a:lstStyle/>
+          <a:p>
+            <a:endParaRPr lang="uk-UA" dirty="0"/>
+          </a:p>
+        </p:txBody>
+      </p:sp>
+      <p:pic>
+        <p:nvPicPr>
+          <p:cNvPr id="4098" name="Picture 2" descr="http://johanndutoit.net/presentations/2013/05/node-meetup-intro-29-may-2013/images/node_event_loop.png"/>
+          <p:cNvPicPr>
+            <a:picLocks noChangeAspect="1" noChangeArrowheads="1"/>
+          </p:cNvPicPr>
+          <p:nvPr/>
+        </p:nvPicPr>
+        <p:blipFill>
+          <a:blip r:embed="rId2" cstate="print"/>
+          <a:srcRect/>
+          <a:stretch>
+            <a:fillRect/>
+          </a:stretch>
+        </p:blipFill>
+        <p:spPr bwMode="auto">
+          <a:xfrm>
+            <a:off x="467544" y="1988840"/>
+            <a:ext cx="8108498" cy="3938044"/>
+          </a:xfrm>
+          <a:prstGeom prst="rect">
+            <a:avLst/>
+          </a:prstGeom>
+          <a:noFill/>
+        </p:spPr>
+      </p:pic>
+      <p:sp>
+        <p:nvSpPr>
+          <p:cNvPr id="5" name="TextBox 4"/>
+          <p:cNvSpPr txBox="1"/>
+          <p:nvPr/>
+        </p:nvSpPr>
+        <p:spPr>
+          <a:xfrm>
+            <a:off x="539552" y="1196752"/>
+            <a:ext cx="7848872" cy="646331"/>
+          </a:xfrm>
+          <a:prstGeom prst="rect">
+            <a:avLst/>
+          </a:prstGeom>
+          <a:noFill/>
+        </p:spPr>
+        <p:txBody>
+          <a:bodyPr wrap="square" rtlCol="0">
+            <a:spAutoFit/>
+          </a:bodyPr>
+          <a:lstStyle/>
+          <a:p>
+            <a:r>
+              <a:rPr lang="ru-RU" dirty="0">
+                <a:latin typeface="Calibri" pitchFamily="34" charset="0"/>
+              </a:rPr>
+              <a:t>Событийный цикл — это сущность, которая перехватывает и обрабатывает внешние события и конвертирует их в функции обратного вызова.</a:t>
+            </a:r>
+            <a:endParaRPr lang="uk-UA" dirty="0">
+              <a:latin typeface="Calibri" pitchFamily="34" charset="0"/>
+            </a:endParaRPr>
+          </a:p>
+        </p:txBody>
+      </p:sp>
+    </p:spTree>
+  </p:cSld>
+  <p:clrMapOvr>
+    <a:masterClrMapping/>
+  </p:clrMapOvr>
+</p:sld>
+</file>
+
+<file path=ppt/slides/slide7.xml><?xml version="1.0" encoding="utf-8"?>
+<p:sld xmlns:a="http://schemas.openxmlformats.org/drawingml/2006/main" xmlns:r="http://schemas.openxmlformats.org/officeDocument/2006/relationships" xmlns:p="http://schemas.openxmlformats.org/presentationml/2006/main">
+  <p:cSld>
+    <p:spTree>
+      <p:nvGrpSpPr>
+        <p:cNvPr id="1" name=""/>
+        <p:cNvGrpSpPr/>
+        <p:nvPr/>
+      </p:nvGrpSpPr>
+      <p:grpSpPr>
+        <a:xfrm>
+          <a:off x="0" y="0"/>
+          <a:ext cx="0" cy="0"/>
+          <a:chOff x="0" y="0"/>
+          <a:chExt cx="0" cy="0"/>
+        </a:xfrm>
+      </p:grpSpPr>
+      <p:sp>
+        <p:nvSpPr>
+          <p:cNvPr id="2" name="Заголовок 1"/>
+          <p:cNvSpPr>
+            <a:spLocks noGrp="1"/>
+          </p:cNvSpPr>
+          <p:nvPr>
+            <p:ph type="title"/>
+          </p:nvPr>
+        </p:nvSpPr>
+        <p:spPr/>
+        <p:txBody>
+          <a:bodyPr/>
+          <a:lstStyle/>
+          <a:p>
+            <a:r>
+              <a:rPr lang="ru-RU" dirty="0">
+                <a:latin typeface="Calibri" pitchFamily="34" charset="0"/>
+              </a:rPr>
               <a:t>Модули </a:t>
             </a:r>
             <a:r>
@@ -3817,7 +4353,7 @@
 </p:sld>
 </file>
 
-<file path=ppt/slides/slide6.xml><?xml version="1.0" encoding="utf-8"?>
+<file path=ppt/slides/slide8.xml><?xml version="1.0" encoding="utf-8"?>
 <p:sld xmlns:a="http://schemas.openxmlformats.org/drawingml/2006/main" xmlns:r="http://schemas.openxmlformats.org/officeDocument/2006/relationships" xmlns:p="http://schemas.openxmlformats.org/presentationml/2006/main">
   <p:cSld>
     <p:spTree>
